--- a/ppt 16-9/1269.献什么给耶稣.pptx
+++ b/ppt 16-9/1269.献什么给耶稣.pptx
@@ -5,7 +5,7 @@
     <p:sldMasterId id="2147483648" r:id="rId1"/>
   </p:sldMasterIdLst>
   <p:sldIdLst>
-    <p:sldId id="818" r:id="rId2"/>
+    <p:sldId id="819" r:id="rId2"/>
   </p:sldIdLst>
   <p:sldSz cx="12192000" cy="6858000"/>
   <p:notesSz cx="6858000" cy="9144000"/>
@@ -129,7 +129,7 @@
           <p:cNvPr id="2" name="标题 1">
             <a:extLst>
               <a:ext uri="{FF2B5EF4-FFF2-40B4-BE49-F238E27FC236}">
-                <a16:creationId xmlns:a16="http://schemas.microsoft.com/office/drawing/2014/main" id="{8CD32A6D-DEB8-46D3-BAEA-D474A526AC13}"/>
+                <a16:creationId xmlns:a16="http://schemas.microsoft.com/office/drawing/2014/main" id="{802ED4C9-68D6-56D6-64F8-94E1E4F26610}"/>
               </a:ext>
             </a:extLst>
           </p:cNvPr>
@@ -166,7 +166,7 @@
           <p:cNvPr id="3" name="副标题 2">
             <a:extLst>
               <a:ext uri="{FF2B5EF4-FFF2-40B4-BE49-F238E27FC236}">
-                <a16:creationId xmlns:a16="http://schemas.microsoft.com/office/drawing/2014/main" id="{5BF22871-420F-0230-EE79-9132145DDA5B}"/>
+                <a16:creationId xmlns:a16="http://schemas.microsoft.com/office/drawing/2014/main" id="{A88213DD-3864-715A-EE4A-31E8678BF96B}"/>
               </a:ext>
             </a:extLst>
           </p:cNvPr>
@@ -236,7 +236,7 @@
           <p:cNvPr id="4" name="日期占位符 3">
             <a:extLst>
               <a:ext uri="{FF2B5EF4-FFF2-40B4-BE49-F238E27FC236}">
-                <a16:creationId xmlns:a16="http://schemas.microsoft.com/office/drawing/2014/main" id="{F85B6C14-205C-7090-DFAD-5AC6D4386D1D}"/>
+                <a16:creationId xmlns:a16="http://schemas.microsoft.com/office/drawing/2014/main" id="{B6783C5D-C4E5-0089-6FF0-E222372CEDD3}"/>
               </a:ext>
             </a:extLst>
           </p:cNvPr>
@@ -252,7 +252,7 @@
           <a:bodyPr/>
           <a:lstStyle/>
           <a:p>
-            <a:fld id="{190FDDB6-41E1-47BA-8D62-07196EED154C}" type="datetimeFigureOut">
+            <a:fld id="{39C383A4-0AE5-4326-B6C2-734AFBB95DB7}" type="datetimeFigureOut">
               <a:rPr lang="zh-CN" altLang="en-US" smtClean="0"/>
               <a:t>2024/3/10</a:t>
             </a:fld>
@@ -265,7 +265,7 @@
           <p:cNvPr id="5" name="页脚占位符 4">
             <a:extLst>
               <a:ext uri="{FF2B5EF4-FFF2-40B4-BE49-F238E27FC236}">
-                <a16:creationId xmlns:a16="http://schemas.microsoft.com/office/drawing/2014/main" id="{8D25CA9A-C464-60E9-5306-63F5810ED06B}"/>
+                <a16:creationId xmlns:a16="http://schemas.microsoft.com/office/drawing/2014/main" id="{09E3B1FC-1159-6F96-0CD9-97CA36EF688F}"/>
               </a:ext>
             </a:extLst>
           </p:cNvPr>
@@ -290,7 +290,7 @@
           <p:cNvPr id="6" name="灯片编号占位符 5">
             <a:extLst>
               <a:ext uri="{FF2B5EF4-FFF2-40B4-BE49-F238E27FC236}">
-                <a16:creationId xmlns:a16="http://schemas.microsoft.com/office/drawing/2014/main" id="{EABA0E32-FE6E-E1B0-825B-0E08EDAF5539}"/>
+                <a16:creationId xmlns:a16="http://schemas.microsoft.com/office/drawing/2014/main" id="{9D3558A9-6607-E796-6601-0573D17913A8}"/>
               </a:ext>
             </a:extLst>
           </p:cNvPr>
@@ -306,7 +306,7 @@
           <a:bodyPr/>
           <a:lstStyle/>
           <a:p>
-            <a:fld id="{16A6900B-50B1-4855-BDAF-32929547FDF2}" type="slidenum">
+            <a:fld id="{31B0973F-6FB5-440D-A200-362D6183C996}" type="slidenum">
               <a:rPr lang="zh-CN" altLang="en-US" smtClean="0"/>
               <a:t>‹#›</a:t>
             </a:fld>
@@ -317,7 +317,7 @@
     </p:spTree>
     <p:extLst>
       <p:ext uri="{BB962C8B-B14F-4D97-AF65-F5344CB8AC3E}">
-        <p14:creationId xmlns:p14="http://schemas.microsoft.com/office/powerpoint/2010/main" val="3467229922"/>
+        <p14:creationId xmlns:p14="http://schemas.microsoft.com/office/powerpoint/2010/main" val="2166674956"/>
       </p:ext>
     </p:extLst>
   </p:cSld>
@@ -349,7 +349,7 @@
           <p:cNvPr id="2" name="标题 1">
             <a:extLst>
               <a:ext uri="{FF2B5EF4-FFF2-40B4-BE49-F238E27FC236}">
-                <a16:creationId xmlns:a16="http://schemas.microsoft.com/office/drawing/2014/main" id="{E4218603-BF75-90BB-F094-BF937558A93D}"/>
+                <a16:creationId xmlns:a16="http://schemas.microsoft.com/office/drawing/2014/main" id="{8A4EDB5E-0172-BD8D-C3F0-4ECFFE67BA23}"/>
               </a:ext>
             </a:extLst>
           </p:cNvPr>
@@ -377,7 +377,7 @@
           <p:cNvPr id="3" name="竖排文字占位符 2">
             <a:extLst>
               <a:ext uri="{FF2B5EF4-FFF2-40B4-BE49-F238E27FC236}">
-                <a16:creationId xmlns:a16="http://schemas.microsoft.com/office/drawing/2014/main" id="{CF66928B-D1BA-6596-665F-8C9A39F9609D}"/>
+                <a16:creationId xmlns:a16="http://schemas.microsoft.com/office/drawing/2014/main" id="{D51479B8-8E54-E3EF-858A-CBAD22A50B70}"/>
               </a:ext>
             </a:extLst>
           </p:cNvPr>
@@ -434,7 +434,7 @@
           <p:cNvPr id="4" name="日期占位符 3">
             <a:extLst>
               <a:ext uri="{FF2B5EF4-FFF2-40B4-BE49-F238E27FC236}">
-                <a16:creationId xmlns:a16="http://schemas.microsoft.com/office/drawing/2014/main" id="{D04399BB-66AD-EE48-87A1-0616C861BD8F}"/>
+                <a16:creationId xmlns:a16="http://schemas.microsoft.com/office/drawing/2014/main" id="{A015D156-D2D4-87BC-EB47-0CA7A2486E5F}"/>
               </a:ext>
             </a:extLst>
           </p:cNvPr>
@@ -450,7 +450,7 @@
           <a:bodyPr/>
           <a:lstStyle/>
           <a:p>
-            <a:fld id="{190FDDB6-41E1-47BA-8D62-07196EED154C}" type="datetimeFigureOut">
+            <a:fld id="{39C383A4-0AE5-4326-B6C2-734AFBB95DB7}" type="datetimeFigureOut">
               <a:rPr lang="zh-CN" altLang="en-US" smtClean="0"/>
               <a:t>2024/3/10</a:t>
             </a:fld>
@@ -463,7 +463,7 @@
           <p:cNvPr id="5" name="页脚占位符 4">
             <a:extLst>
               <a:ext uri="{FF2B5EF4-FFF2-40B4-BE49-F238E27FC236}">
-                <a16:creationId xmlns:a16="http://schemas.microsoft.com/office/drawing/2014/main" id="{7EF10EFB-154E-4D46-3664-A100674BCFA8}"/>
+                <a16:creationId xmlns:a16="http://schemas.microsoft.com/office/drawing/2014/main" id="{9EB86C0E-CBB4-2BD3-0162-D15F9A136B87}"/>
               </a:ext>
             </a:extLst>
           </p:cNvPr>
@@ -488,7 +488,7 @@
           <p:cNvPr id="6" name="灯片编号占位符 5">
             <a:extLst>
               <a:ext uri="{FF2B5EF4-FFF2-40B4-BE49-F238E27FC236}">
-                <a16:creationId xmlns:a16="http://schemas.microsoft.com/office/drawing/2014/main" id="{277D5FFA-1082-42A2-3FD7-F2C05A51CB4E}"/>
+                <a16:creationId xmlns:a16="http://schemas.microsoft.com/office/drawing/2014/main" id="{3DC65699-11A1-8B2A-0EF8-B115CE858E41}"/>
               </a:ext>
             </a:extLst>
           </p:cNvPr>
@@ -504,7 +504,7 @@
           <a:bodyPr/>
           <a:lstStyle/>
           <a:p>
-            <a:fld id="{16A6900B-50B1-4855-BDAF-32929547FDF2}" type="slidenum">
+            <a:fld id="{31B0973F-6FB5-440D-A200-362D6183C996}" type="slidenum">
               <a:rPr lang="zh-CN" altLang="en-US" smtClean="0"/>
               <a:t>‹#›</a:t>
             </a:fld>
@@ -515,7 +515,7 @@
     </p:spTree>
     <p:extLst>
       <p:ext uri="{BB962C8B-B14F-4D97-AF65-F5344CB8AC3E}">
-        <p14:creationId xmlns:p14="http://schemas.microsoft.com/office/powerpoint/2010/main" val="61650031"/>
+        <p14:creationId xmlns:p14="http://schemas.microsoft.com/office/powerpoint/2010/main" val="932106709"/>
       </p:ext>
     </p:extLst>
   </p:cSld>
@@ -547,7 +547,7 @@
           <p:cNvPr id="2" name="竖排标题 1">
             <a:extLst>
               <a:ext uri="{FF2B5EF4-FFF2-40B4-BE49-F238E27FC236}">
-                <a16:creationId xmlns:a16="http://schemas.microsoft.com/office/drawing/2014/main" id="{FE211F99-3C5E-20AE-059B-2FCFC602F12B}"/>
+                <a16:creationId xmlns:a16="http://schemas.microsoft.com/office/drawing/2014/main" id="{EA6F3784-0AD5-DE76-674D-46F00DCF0ED2}"/>
               </a:ext>
             </a:extLst>
           </p:cNvPr>
@@ -580,7 +580,7 @@
           <p:cNvPr id="3" name="竖排文字占位符 2">
             <a:extLst>
               <a:ext uri="{FF2B5EF4-FFF2-40B4-BE49-F238E27FC236}">
-                <a16:creationId xmlns:a16="http://schemas.microsoft.com/office/drawing/2014/main" id="{5E8CCF50-F8C3-0038-1A73-56E935309FF7}"/>
+                <a16:creationId xmlns:a16="http://schemas.microsoft.com/office/drawing/2014/main" id="{B158E39F-1809-C556-FBA5-42BFACCBF250}"/>
               </a:ext>
             </a:extLst>
           </p:cNvPr>
@@ -642,7 +642,7 @@
           <p:cNvPr id="4" name="日期占位符 3">
             <a:extLst>
               <a:ext uri="{FF2B5EF4-FFF2-40B4-BE49-F238E27FC236}">
-                <a16:creationId xmlns:a16="http://schemas.microsoft.com/office/drawing/2014/main" id="{E4D6BF69-7F78-2758-2DCD-595794DC47FA}"/>
+                <a16:creationId xmlns:a16="http://schemas.microsoft.com/office/drawing/2014/main" id="{D320A40E-F0E9-6F24-7AE5-316EB2AE0B20}"/>
               </a:ext>
             </a:extLst>
           </p:cNvPr>
@@ -658,7 +658,7 @@
           <a:bodyPr/>
           <a:lstStyle/>
           <a:p>
-            <a:fld id="{190FDDB6-41E1-47BA-8D62-07196EED154C}" type="datetimeFigureOut">
+            <a:fld id="{39C383A4-0AE5-4326-B6C2-734AFBB95DB7}" type="datetimeFigureOut">
               <a:rPr lang="zh-CN" altLang="en-US" smtClean="0"/>
               <a:t>2024/3/10</a:t>
             </a:fld>
@@ -671,7 +671,7 @@
           <p:cNvPr id="5" name="页脚占位符 4">
             <a:extLst>
               <a:ext uri="{FF2B5EF4-FFF2-40B4-BE49-F238E27FC236}">
-                <a16:creationId xmlns:a16="http://schemas.microsoft.com/office/drawing/2014/main" id="{2E58229A-885C-6E55-6235-ADA5FEFA2D0A}"/>
+                <a16:creationId xmlns:a16="http://schemas.microsoft.com/office/drawing/2014/main" id="{BB9572EB-3740-7D94-B9E7-B6F0F10D220F}"/>
               </a:ext>
             </a:extLst>
           </p:cNvPr>
@@ -696,7 +696,7 @@
           <p:cNvPr id="6" name="灯片编号占位符 5">
             <a:extLst>
               <a:ext uri="{FF2B5EF4-FFF2-40B4-BE49-F238E27FC236}">
-                <a16:creationId xmlns:a16="http://schemas.microsoft.com/office/drawing/2014/main" id="{F6137E77-30F5-3E9D-CC60-56BAD174F122}"/>
+                <a16:creationId xmlns:a16="http://schemas.microsoft.com/office/drawing/2014/main" id="{6A254993-D1C6-2B65-92D5-16D438F0E150}"/>
               </a:ext>
             </a:extLst>
           </p:cNvPr>
@@ -712,7 +712,7 @@
           <a:bodyPr/>
           <a:lstStyle/>
           <a:p>
-            <a:fld id="{16A6900B-50B1-4855-BDAF-32929547FDF2}" type="slidenum">
+            <a:fld id="{31B0973F-6FB5-440D-A200-362D6183C996}" type="slidenum">
               <a:rPr lang="zh-CN" altLang="en-US" smtClean="0"/>
               <a:t>‹#›</a:t>
             </a:fld>
@@ -723,7 +723,7 @@
     </p:spTree>
     <p:extLst>
       <p:ext uri="{BB962C8B-B14F-4D97-AF65-F5344CB8AC3E}">
-        <p14:creationId xmlns:p14="http://schemas.microsoft.com/office/powerpoint/2010/main" val="3417800064"/>
+        <p14:creationId xmlns:p14="http://schemas.microsoft.com/office/powerpoint/2010/main" val="1207392375"/>
       </p:ext>
     </p:extLst>
   </p:cSld>
@@ -755,7 +755,7 @@
           <p:cNvPr id="2" name="标题 1">
             <a:extLst>
               <a:ext uri="{FF2B5EF4-FFF2-40B4-BE49-F238E27FC236}">
-                <a16:creationId xmlns:a16="http://schemas.microsoft.com/office/drawing/2014/main" id="{5F073A1E-B90F-6754-B2A5-80EBA4B648D3}"/>
+                <a16:creationId xmlns:a16="http://schemas.microsoft.com/office/drawing/2014/main" id="{F21E33DC-6686-24B1-4927-86B12220AA2D}"/>
               </a:ext>
             </a:extLst>
           </p:cNvPr>
@@ -783,7 +783,7 @@
           <p:cNvPr id="3" name="内容占位符 2">
             <a:extLst>
               <a:ext uri="{FF2B5EF4-FFF2-40B4-BE49-F238E27FC236}">
-                <a16:creationId xmlns:a16="http://schemas.microsoft.com/office/drawing/2014/main" id="{90085D22-DE2D-671E-63D7-BCC048DF9098}"/>
+                <a16:creationId xmlns:a16="http://schemas.microsoft.com/office/drawing/2014/main" id="{A18C15CC-25BF-4E18-2D56-559FBD59C0AD}"/>
               </a:ext>
             </a:extLst>
           </p:cNvPr>
@@ -840,7 +840,7 @@
           <p:cNvPr id="4" name="日期占位符 3">
             <a:extLst>
               <a:ext uri="{FF2B5EF4-FFF2-40B4-BE49-F238E27FC236}">
-                <a16:creationId xmlns:a16="http://schemas.microsoft.com/office/drawing/2014/main" id="{0BD3051E-26CB-2134-B52A-86FFC7175A7E}"/>
+                <a16:creationId xmlns:a16="http://schemas.microsoft.com/office/drawing/2014/main" id="{0C4DF57E-FF94-0991-A88E-1641D468F92E}"/>
               </a:ext>
             </a:extLst>
           </p:cNvPr>
@@ -856,7 +856,7 @@
           <a:bodyPr/>
           <a:lstStyle/>
           <a:p>
-            <a:fld id="{190FDDB6-41E1-47BA-8D62-07196EED154C}" type="datetimeFigureOut">
+            <a:fld id="{39C383A4-0AE5-4326-B6C2-734AFBB95DB7}" type="datetimeFigureOut">
               <a:rPr lang="zh-CN" altLang="en-US" smtClean="0"/>
               <a:t>2024/3/10</a:t>
             </a:fld>
@@ -869,7 +869,7 @@
           <p:cNvPr id="5" name="页脚占位符 4">
             <a:extLst>
               <a:ext uri="{FF2B5EF4-FFF2-40B4-BE49-F238E27FC236}">
-                <a16:creationId xmlns:a16="http://schemas.microsoft.com/office/drawing/2014/main" id="{4211776C-A701-EC27-1883-08F8C8D4404A}"/>
+                <a16:creationId xmlns:a16="http://schemas.microsoft.com/office/drawing/2014/main" id="{64659C7A-429D-5CA2-364F-CEC2F1207896}"/>
               </a:ext>
             </a:extLst>
           </p:cNvPr>
@@ -894,7 +894,7 @@
           <p:cNvPr id="6" name="灯片编号占位符 5">
             <a:extLst>
               <a:ext uri="{FF2B5EF4-FFF2-40B4-BE49-F238E27FC236}">
-                <a16:creationId xmlns:a16="http://schemas.microsoft.com/office/drawing/2014/main" id="{DB0A3325-C5CD-85A2-D5C1-5BD427E07E86}"/>
+                <a16:creationId xmlns:a16="http://schemas.microsoft.com/office/drawing/2014/main" id="{77F3AA88-40C8-C46A-D9D0-9BE541851CA9}"/>
               </a:ext>
             </a:extLst>
           </p:cNvPr>
@@ -910,7 +910,7 @@
           <a:bodyPr/>
           <a:lstStyle/>
           <a:p>
-            <a:fld id="{16A6900B-50B1-4855-BDAF-32929547FDF2}" type="slidenum">
+            <a:fld id="{31B0973F-6FB5-440D-A200-362D6183C996}" type="slidenum">
               <a:rPr lang="zh-CN" altLang="en-US" smtClean="0"/>
               <a:t>‹#›</a:t>
             </a:fld>
@@ -921,7 +921,7 @@
     </p:spTree>
     <p:extLst>
       <p:ext uri="{BB962C8B-B14F-4D97-AF65-F5344CB8AC3E}">
-        <p14:creationId xmlns:p14="http://schemas.microsoft.com/office/powerpoint/2010/main" val="1956149018"/>
+        <p14:creationId xmlns:p14="http://schemas.microsoft.com/office/powerpoint/2010/main" val="2953589270"/>
       </p:ext>
     </p:extLst>
   </p:cSld>
@@ -953,7 +953,7 @@
           <p:cNvPr id="2" name="标题 1">
             <a:extLst>
               <a:ext uri="{FF2B5EF4-FFF2-40B4-BE49-F238E27FC236}">
-                <a16:creationId xmlns:a16="http://schemas.microsoft.com/office/drawing/2014/main" id="{A6D5823F-CA78-9BA8-05F1-CEDC0F72C94C}"/>
+                <a16:creationId xmlns:a16="http://schemas.microsoft.com/office/drawing/2014/main" id="{1B0EC026-2EB1-5128-CFE7-9E4B5AB2562C}"/>
               </a:ext>
             </a:extLst>
           </p:cNvPr>
@@ -990,7 +990,7 @@
           <p:cNvPr id="3" name="文本占位符 2">
             <a:extLst>
               <a:ext uri="{FF2B5EF4-FFF2-40B4-BE49-F238E27FC236}">
-                <a16:creationId xmlns:a16="http://schemas.microsoft.com/office/drawing/2014/main" id="{691EDD9F-B376-8DB1-0328-BF7CBE0F7CB7}"/>
+                <a16:creationId xmlns:a16="http://schemas.microsoft.com/office/drawing/2014/main" id="{497EBF25-15BF-0FE9-DB25-6A6F0A6053C5}"/>
               </a:ext>
             </a:extLst>
           </p:cNvPr>
@@ -1115,7 +1115,7 @@
           <p:cNvPr id="4" name="日期占位符 3">
             <a:extLst>
               <a:ext uri="{FF2B5EF4-FFF2-40B4-BE49-F238E27FC236}">
-                <a16:creationId xmlns:a16="http://schemas.microsoft.com/office/drawing/2014/main" id="{29D0238E-F6EF-0A15-B84C-F2AFD79A6543}"/>
+                <a16:creationId xmlns:a16="http://schemas.microsoft.com/office/drawing/2014/main" id="{33092F89-2F55-F934-CC46-1A7936A7B060}"/>
               </a:ext>
             </a:extLst>
           </p:cNvPr>
@@ -1131,7 +1131,7 @@
           <a:bodyPr/>
           <a:lstStyle/>
           <a:p>
-            <a:fld id="{190FDDB6-41E1-47BA-8D62-07196EED154C}" type="datetimeFigureOut">
+            <a:fld id="{39C383A4-0AE5-4326-B6C2-734AFBB95DB7}" type="datetimeFigureOut">
               <a:rPr lang="zh-CN" altLang="en-US" smtClean="0"/>
               <a:t>2024/3/10</a:t>
             </a:fld>
@@ -1144,7 +1144,7 @@
           <p:cNvPr id="5" name="页脚占位符 4">
             <a:extLst>
               <a:ext uri="{FF2B5EF4-FFF2-40B4-BE49-F238E27FC236}">
-                <a16:creationId xmlns:a16="http://schemas.microsoft.com/office/drawing/2014/main" id="{F92A7262-350A-213A-9F1F-80E245D6050D}"/>
+                <a16:creationId xmlns:a16="http://schemas.microsoft.com/office/drawing/2014/main" id="{8B84F101-1264-2D3A-2635-BFB9B9E85CDC}"/>
               </a:ext>
             </a:extLst>
           </p:cNvPr>
@@ -1169,7 +1169,7 @@
           <p:cNvPr id="6" name="灯片编号占位符 5">
             <a:extLst>
               <a:ext uri="{FF2B5EF4-FFF2-40B4-BE49-F238E27FC236}">
-                <a16:creationId xmlns:a16="http://schemas.microsoft.com/office/drawing/2014/main" id="{50FA51AB-0E32-5EEB-92EB-74CBA2EFFBA4}"/>
+                <a16:creationId xmlns:a16="http://schemas.microsoft.com/office/drawing/2014/main" id="{B191971A-56C8-52B3-7CC7-B0AE36458FE2}"/>
               </a:ext>
             </a:extLst>
           </p:cNvPr>
@@ -1185,7 +1185,7 @@
           <a:bodyPr/>
           <a:lstStyle/>
           <a:p>
-            <a:fld id="{16A6900B-50B1-4855-BDAF-32929547FDF2}" type="slidenum">
+            <a:fld id="{31B0973F-6FB5-440D-A200-362D6183C996}" type="slidenum">
               <a:rPr lang="zh-CN" altLang="en-US" smtClean="0"/>
               <a:t>‹#›</a:t>
             </a:fld>
@@ -1196,7 +1196,7 @@
     </p:spTree>
     <p:extLst>
       <p:ext uri="{BB962C8B-B14F-4D97-AF65-F5344CB8AC3E}">
-        <p14:creationId xmlns:p14="http://schemas.microsoft.com/office/powerpoint/2010/main" val="2326387322"/>
+        <p14:creationId xmlns:p14="http://schemas.microsoft.com/office/powerpoint/2010/main" val="2288098766"/>
       </p:ext>
     </p:extLst>
   </p:cSld>
@@ -1228,7 +1228,7 @@
           <p:cNvPr id="2" name="标题 1">
             <a:extLst>
               <a:ext uri="{FF2B5EF4-FFF2-40B4-BE49-F238E27FC236}">
-                <a16:creationId xmlns:a16="http://schemas.microsoft.com/office/drawing/2014/main" id="{EA1C97D8-C0EB-A4B7-5740-24F8B87397CA}"/>
+                <a16:creationId xmlns:a16="http://schemas.microsoft.com/office/drawing/2014/main" id="{4A2255C5-3F78-AEB9-33B7-79B3EC621484}"/>
               </a:ext>
             </a:extLst>
           </p:cNvPr>
@@ -1256,7 +1256,7 @@
           <p:cNvPr id="3" name="内容占位符 2">
             <a:extLst>
               <a:ext uri="{FF2B5EF4-FFF2-40B4-BE49-F238E27FC236}">
-                <a16:creationId xmlns:a16="http://schemas.microsoft.com/office/drawing/2014/main" id="{7EEE4429-DE4E-2362-A2C9-E8F20FD14798}"/>
+                <a16:creationId xmlns:a16="http://schemas.microsoft.com/office/drawing/2014/main" id="{85EAF121-F386-4190-9C77-43BD2F55A86B}"/>
               </a:ext>
             </a:extLst>
           </p:cNvPr>
@@ -1318,7 +1318,7 @@
           <p:cNvPr id="4" name="内容占位符 3">
             <a:extLst>
               <a:ext uri="{FF2B5EF4-FFF2-40B4-BE49-F238E27FC236}">
-                <a16:creationId xmlns:a16="http://schemas.microsoft.com/office/drawing/2014/main" id="{A6DCCACB-0549-5EE8-9626-D5F68B962175}"/>
+                <a16:creationId xmlns:a16="http://schemas.microsoft.com/office/drawing/2014/main" id="{03936572-C539-2D56-A93D-E28D23510C58}"/>
               </a:ext>
             </a:extLst>
           </p:cNvPr>
@@ -1380,7 +1380,7 @@
           <p:cNvPr id="5" name="日期占位符 4">
             <a:extLst>
               <a:ext uri="{FF2B5EF4-FFF2-40B4-BE49-F238E27FC236}">
-                <a16:creationId xmlns:a16="http://schemas.microsoft.com/office/drawing/2014/main" id="{C371B4B4-25FA-FC50-6B76-FF9B0DED40B0}"/>
+                <a16:creationId xmlns:a16="http://schemas.microsoft.com/office/drawing/2014/main" id="{116CED2E-9BB3-9A9E-7298-D1582E3A9F8E}"/>
               </a:ext>
             </a:extLst>
           </p:cNvPr>
@@ -1396,7 +1396,7 @@
           <a:bodyPr/>
           <a:lstStyle/>
           <a:p>
-            <a:fld id="{190FDDB6-41E1-47BA-8D62-07196EED154C}" type="datetimeFigureOut">
+            <a:fld id="{39C383A4-0AE5-4326-B6C2-734AFBB95DB7}" type="datetimeFigureOut">
               <a:rPr lang="zh-CN" altLang="en-US" smtClean="0"/>
               <a:t>2024/3/10</a:t>
             </a:fld>
@@ -1409,7 +1409,7 @@
           <p:cNvPr id="6" name="页脚占位符 5">
             <a:extLst>
               <a:ext uri="{FF2B5EF4-FFF2-40B4-BE49-F238E27FC236}">
-                <a16:creationId xmlns:a16="http://schemas.microsoft.com/office/drawing/2014/main" id="{63703D97-456D-13D5-E5E6-99C51A0DCD92}"/>
+                <a16:creationId xmlns:a16="http://schemas.microsoft.com/office/drawing/2014/main" id="{E1FF49F7-8F33-A84C-CFE8-BF221BC6715C}"/>
               </a:ext>
             </a:extLst>
           </p:cNvPr>
@@ -1434,7 +1434,7 @@
           <p:cNvPr id="7" name="灯片编号占位符 6">
             <a:extLst>
               <a:ext uri="{FF2B5EF4-FFF2-40B4-BE49-F238E27FC236}">
-                <a16:creationId xmlns:a16="http://schemas.microsoft.com/office/drawing/2014/main" id="{026F7652-074F-5E9C-200D-809C7FA6D309}"/>
+                <a16:creationId xmlns:a16="http://schemas.microsoft.com/office/drawing/2014/main" id="{9AC765C3-A7CC-35D9-7E64-DD4E38E21D17}"/>
               </a:ext>
             </a:extLst>
           </p:cNvPr>
@@ -1450,7 +1450,7 @@
           <a:bodyPr/>
           <a:lstStyle/>
           <a:p>
-            <a:fld id="{16A6900B-50B1-4855-BDAF-32929547FDF2}" type="slidenum">
+            <a:fld id="{31B0973F-6FB5-440D-A200-362D6183C996}" type="slidenum">
               <a:rPr lang="zh-CN" altLang="en-US" smtClean="0"/>
               <a:t>‹#›</a:t>
             </a:fld>
@@ -1461,7 +1461,7 @@
     </p:spTree>
     <p:extLst>
       <p:ext uri="{BB962C8B-B14F-4D97-AF65-F5344CB8AC3E}">
-        <p14:creationId xmlns:p14="http://schemas.microsoft.com/office/powerpoint/2010/main" val="2421512745"/>
+        <p14:creationId xmlns:p14="http://schemas.microsoft.com/office/powerpoint/2010/main" val="1035637403"/>
       </p:ext>
     </p:extLst>
   </p:cSld>
@@ -1493,7 +1493,7 @@
           <p:cNvPr id="2" name="标题 1">
             <a:extLst>
               <a:ext uri="{FF2B5EF4-FFF2-40B4-BE49-F238E27FC236}">
-                <a16:creationId xmlns:a16="http://schemas.microsoft.com/office/drawing/2014/main" id="{41590576-8232-012F-A080-DFD1D139FFC4}"/>
+                <a16:creationId xmlns:a16="http://schemas.microsoft.com/office/drawing/2014/main" id="{E0E76B1E-903F-C923-E795-CB6B551EA732}"/>
               </a:ext>
             </a:extLst>
           </p:cNvPr>
@@ -1526,7 +1526,7 @@
           <p:cNvPr id="3" name="文本占位符 2">
             <a:extLst>
               <a:ext uri="{FF2B5EF4-FFF2-40B4-BE49-F238E27FC236}">
-                <a16:creationId xmlns:a16="http://schemas.microsoft.com/office/drawing/2014/main" id="{C82B2303-D5E9-5E89-9840-BE97F33F18A1}"/>
+                <a16:creationId xmlns:a16="http://schemas.microsoft.com/office/drawing/2014/main" id="{2F42BE70-9B3C-2047-3B57-62E7CA909286}"/>
               </a:ext>
             </a:extLst>
           </p:cNvPr>
@@ -1597,7 +1597,7 @@
           <p:cNvPr id="4" name="内容占位符 3">
             <a:extLst>
               <a:ext uri="{FF2B5EF4-FFF2-40B4-BE49-F238E27FC236}">
-                <a16:creationId xmlns:a16="http://schemas.microsoft.com/office/drawing/2014/main" id="{7237706E-EC0D-E186-01CB-5F1C9D4C699E}"/>
+                <a16:creationId xmlns:a16="http://schemas.microsoft.com/office/drawing/2014/main" id="{4C2ACD77-3646-F3A5-53FD-FABE185DBB28}"/>
               </a:ext>
             </a:extLst>
           </p:cNvPr>
@@ -1659,7 +1659,7 @@
           <p:cNvPr id="5" name="文本占位符 4">
             <a:extLst>
               <a:ext uri="{FF2B5EF4-FFF2-40B4-BE49-F238E27FC236}">
-                <a16:creationId xmlns:a16="http://schemas.microsoft.com/office/drawing/2014/main" id="{62D8B533-ECCC-A60C-ECF4-4DBD1B3B81CC}"/>
+                <a16:creationId xmlns:a16="http://schemas.microsoft.com/office/drawing/2014/main" id="{300A48DC-05F3-6DFB-4295-D7A7D50A2F7E}"/>
               </a:ext>
             </a:extLst>
           </p:cNvPr>
@@ -1730,7 +1730,7 @@
           <p:cNvPr id="6" name="内容占位符 5">
             <a:extLst>
               <a:ext uri="{FF2B5EF4-FFF2-40B4-BE49-F238E27FC236}">
-                <a16:creationId xmlns:a16="http://schemas.microsoft.com/office/drawing/2014/main" id="{757EA794-B0DC-46B1-4D6B-09B1DFE63929}"/>
+                <a16:creationId xmlns:a16="http://schemas.microsoft.com/office/drawing/2014/main" id="{728F500C-ED3C-2C79-1F9A-8FD2BDBCEEDC}"/>
               </a:ext>
             </a:extLst>
           </p:cNvPr>
@@ -1792,7 +1792,7 @@
           <p:cNvPr id="7" name="日期占位符 6">
             <a:extLst>
               <a:ext uri="{FF2B5EF4-FFF2-40B4-BE49-F238E27FC236}">
-                <a16:creationId xmlns:a16="http://schemas.microsoft.com/office/drawing/2014/main" id="{33A0BD8A-B544-1746-3FEA-835826BC373B}"/>
+                <a16:creationId xmlns:a16="http://schemas.microsoft.com/office/drawing/2014/main" id="{1AA83108-3418-DC60-8223-1D6DAA2434DF}"/>
               </a:ext>
             </a:extLst>
           </p:cNvPr>
@@ -1808,7 +1808,7 @@
           <a:bodyPr/>
           <a:lstStyle/>
           <a:p>
-            <a:fld id="{190FDDB6-41E1-47BA-8D62-07196EED154C}" type="datetimeFigureOut">
+            <a:fld id="{39C383A4-0AE5-4326-B6C2-734AFBB95DB7}" type="datetimeFigureOut">
               <a:rPr lang="zh-CN" altLang="en-US" smtClean="0"/>
               <a:t>2024/3/10</a:t>
             </a:fld>
@@ -1821,7 +1821,7 @@
           <p:cNvPr id="8" name="页脚占位符 7">
             <a:extLst>
               <a:ext uri="{FF2B5EF4-FFF2-40B4-BE49-F238E27FC236}">
-                <a16:creationId xmlns:a16="http://schemas.microsoft.com/office/drawing/2014/main" id="{BCD2AD06-A63A-3D2E-EBAE-F34020A4AD9D}"/>
+                <a16:creationId xmlns:a16="http://schemas.microsoft.com/office/drawing/2014/main" id="{6B4280A1-99D5-FB33-6511-C22FE987E552}"/>
               </a:ext>
             </a:extLst>
           </p:cNvPr>
@@ -1846,7 +1846,7 @@
           <p:cNvPr id="9" name="灯片编号占位符 8">
             <a:extLst>
               <a:ext uri="{FF2B5EF4-FFF2-40B4-BE49-F238E27FC236}">
-                <a16:creationId xmlns:a16="http://schemas.microsoft.com/office/drawing/2014/main" id="{466C0A11-0B5C-EE48-1CF7-5827A4F01E22}"/>
+                <a16:creationId xmlns:a16="http://schemas.microsoft.com/office/drawing/2014/main" id="{EDE97A9D-DBD0-0011-942F-45E6DF4D0AC3}"/>
               </a:ext>
             </a:extLst>
           </p:cNvPr>
@@ -1862,7 +1862,7 @@
           <a:bodyPr/>
           <a:lstStyle/>
           <a:p>
-            <a:fld id="{16A6900B-50B1-4855-BDAF-32929547FDF2}" type="slidenum">
+            <a:fld id="{31B0973F-6FB5-440D-A200-362D6183C996}" type="slidenum">
               <a:rPr lang="zh-CN" altLang="en-US" smtClean="0"/>
               <a:t>‹#›</a:t>
             </a:fld>
@@ -1873,7 +1873,7 @@
     </p:spTree>
     <p:extLst>
       <p:ext uri="{BB962C8B-B14F-4D97-AF65-F5344CB8AC3E}">
-        <p14:creationId xmlns:p14="http://schemas.microsoft.com/office/powerpoint/2010/main" val="3710510642"/>
+        <p14:creationId xmlns:p14="http://schemas.microsoft.com/office/powerpoint/2010/main" val="4109906322"/>
       </p:ext>
     </p:extLst>
   </p:cSld>
@@ -1905,7 +1905,7 @@
           <p:cNvPr id="2" name="标题 1">
             <a:extLst>
               <a:ext uri="{FF2B5EF4-FFF2-40B4-BE49-F238E27FC236}">
-                <a16:creationId xmlns:a16="http://schemas.microsoft.com/office/drawing/2014/main" id="{0F97BC60-012A-BD87-7811-9AA38DF878D7}"/>
+                <a16:creationId xmlns:a16="http://schemas.microsoft.com/office/drawing/2014/main" id="{9AE18077-8762-26B8-B94E-67C6FDBBC600}"/>
               </a:ext>
             </a:extLst>
           </p:cNvPr>
@@ -1933,7 +1933,7 @@
           <p:cNvPr id="3" name="日期占位符 2">
             <a:extLst>
               <a:ext uri="{FF2B5EF4-FFF2-40B4-BE49-F238E27FC236}">
-                <a16:creationId xmlns:a16="http://schemas.microsoft.com/office/drawing/2014/main" id="{CE4CF08D-F594-B5FD-4D0A-DB47CCA1B89A}"/>
+                <a16:creationId xmlns:a16="http://schemas.microsoft.com/office/drawing/2014/main" id="{05134CF2-222F-EC0B-0C97-9717E1ACCAF3}"/>
               </a:ext>
             </a:extLst>
           </p:cNvPr>
@@ -1949,7 +1949,7 @@
           <a:bodyPr/>
           <a:lstStyle/>
           <a:p>
-            <a:fld id="{190FDDB6-41E1-47BA-8D62-07196EED154C}" type="datetimeFigureOut">
+            <a:fld id="{39C383A4-0AE5-4326-B6C2-734AFBB95DB7}" type="datetimeFigureOut">
               <a:rPr lang="zh-CN" altLang="en-US" smtClean="0"/>
               <a:t>2024/3/10</a:t>
             </a:fld>
@@ -1962,7 +1962,7 @@
           <p:cNvPr id="4" name="页脚占位符 3">
             <a:extLst>
               <a:ext uri="{FF2B5EF4-FFF2-40B4-BE49-F238E27FC236}">
-                <a16:creationId xmlns:a16="http://schemas.microsoft.com/office/drawing/2014/main" id="{70EA1256-9E2C-271D-11C0-251A934303D7}"/>
+                <a16:creationId xmlns:a16="http://schemas.microsoft.com/office/drawing/2014/main" id="{7A8327D7-F145-F300-B80C-519B379FD7AC}"/>
               </a:ext>
             </a:extLst>
           </p:cNvPr>
@@ -1987,7 +1987,7 @@
           <p:cNvPr id="5" name="灯片编号占位符 4">
             <a:extLst>
               <a:ext uri="{FF2B5EF4-FFF2-40B4-BE49-F238E27FC236}">
-                <a16:creationId xmlns:a16="http://schemas.microsoft.com/office/drawing/2014/main" id="{48F88115-387F-F4C7-B9E7-F31F7C1B1FBB}"/>
+                <a16:creationId xmlns:a16="http://schemas.microsoft.com/office/drawing/2014/main" id="{A518ED07-10C8-7B91-A0E1-9D3744D29D56}"/>
               </a:ext>
             </a:extLst>
           </p:cNvPr>
@@ -2003,7 +2003,7 @@
           <a:bodyPr/>
           <a:lstStyle/>
           <a:p>
-            <a:fld id="{16A6900B-50B1-4855-BDAF-32929547FDF2}" type="slidenum">
+            <a:fld id="{31B0973F-6FB5-440D-A200-362D6183C996}" type="slidenum">
               <a:rPr lang="zh-CN" altLang="en-US" smtClean="0"/>
               <a:t>‹#›</a:t>
             </a:fld>
@@ -2014,7 +2014,7 @@
     </p:spTree>
     <p:extLst>
       <p:ext uri="{BB962C8B-B14F-4D97-AF65-F5344CB8AC3E}">
-        <p14:creationId xmlns:p14="http://schemas.microsoft.com/office/powerpoint/2010/main" val="993342213"/>
+        <p14:creationId xmlns:p14="http://schemas.microsoft.com/office/powerpoint/2010/main" val="1052713264"/>
       </p:ext>
     </p:extLst>
   </p:cSld>
@@ -2046,7 +2046,7 @@
           <p:cNvPr id="2" name="日期占位符 1">
             <a:extLst>
               <a:ext uri="{FF2B5EF4-FFF2-40B4-BE49-F238E27FC236}">
-                <a16:creationId xmlns:a16="http://schemas.microsoft.com/office/drawing/2014/main" id="{E8B5B6D2-195D-3CD8-5595-04A69C327D27}"/>
+                <a16:creationId xmlns:a16="http://schemas.microsoft.com/office/drawing/2014/main" id="{5134AD02-FED9-9DF8-6A8E-62C1CB7DF64D}"/>
               </a:ext>
             </a:extLst>
           </p:cNvPr>
@@ -2062,7 +2062,7 @@
           <a:bodyPr/>
           <a:lstStyle/>
           <a:p>
-            <a:fld id="{190FDDB6-41E1-47BA-8D62-07196EED154C}" type="datetimeFigureOut">
+            <a:fld id="{39C383A4-0AE5-4326-B6C2-734AFBB95DB7}" type="datetimeFigureOut">
               <a:rPr lang="zh-CN" altLang="en-US" smtClean="0"/>
               <a:t>2024/3/10</a:t>
             </a:fld>
@@ -2075,7 +2075,7 @@
           <p:cNvPr id="3" name="页脚占位符 2">
             <a:extLst>
               <a:ext uri="{FF2B5EF4-FFF2-40B4-BE49-F238E27FC236}">
-                <a16:creationId xmlns:a16="http://schemas.microsoft.com/office/drawing/2014/main" id="{AF3A68F2-8531-167F-1035-96D379B45536}"/>
+                <a16:creationId xmlns:a16="http://schemas.microsoft.com/office/drawing/2014/main" id="{13150740-DC4D-B23E-5C90-A40B86BD403D}"/>
               </a:ext>
             </a:extLst>
           </p:cNvPr>
@@ -2100,7 +2100,7 @@
           <p:cNvPr id="4" name="灯片编号占位符 3">
             <a:extLst>
               <a:ext uri="{FF2B5EF4-FFF2-40B4-BE49-F238E27FC236}">
-                <a16:creationId xmlns:a16="http://schemas.microsoft.com/office/drawing/2014/main" id="{815F7266-54A3-D0F6-F01B-3920340EAA3B}"/>
+                <a16:creationId xmlns:a16="http://schemas.microsoft.com/office/drawing/2014/main" id="{FA5BF50B-699B-041D-39A6-35B5E231C497}"/>
               </a:ext>
             </a:extLst>
           </p:cNvPr>
@@ -2116,7 +2116,7 @@
           <a:bodyPr/>
           <a:lstStyle/>
           <a:p>
-            <a:fld id="{16A6900B-50B1-4855-BDAF-32929547FDF2}" type="slidenum">
+            <a:fld id="{31B0973F-6FB5-440D-A200-362D6183C996}" type="slidenum">
               <a:rPr lang="zh-CN" altLang="en-US" smtClean="0"/>
               <a:t>‹#›</a:t>
             </a:fld>
@@ -2127,7 +2127,7 @@
     </p:spTree>
     <p:extLst>
       <p:ext uri="{BB962C8B-B14F-4D97-AF65-F5344CB8AC3E}">
-        <p14:creationId xmlns:p14="http://schemas.microsoft.com/office/powerpoint/2010/main" val="356963033"/>
+        <p14:creationId xmlns:p14="http://schemas.microsoft.com/office/powerpoint/2010/main" val="1560885861"/>
       </p:ext>
     </p:extLst>
   </p:cSld>
@@ -2159,7 +2159,7 @@
           <p:cNvPr id="2" name="标题 1">
             <a:extLst>
               <a:ext uri="{FF2B5EF4-FFF2-40B4-BE49-F238E27FC236}">
-                <a16:creationId xmlns:a16="http://schemas.microsoft.com/office/drawing/2014/main" id="{9610CBA7-05FF-1219-91AD-E103C2E8AD3C}"/>
+                <a16:creationId xmlns:a16="http://schemas.microsoft.com/office/drawing/2014/main" id="{73ADDE12-8367-4A59-3214-4C4E31A02DF4}"/>
               </a:ext>
             </a:extLst>
           </p:cNvPr>
@@ -2196,7 +2196,7 @@
           <p:cNvPr id="3" name="内容占位符 2">
             <a:extLst>
               <a:ext uri="{FF2B5EF4-FFF2-40B4-BE49-F238E27FC236}">
-                <a16:creationId xmlns:a16="http://schemas.microsoft.com/office/drawing/2014/main" id="{0C46D0C4-E818-E592-9322-1747DE277D18}"/>
+                <a16:creationId xmlns:a16="http://schemas.microsoft.com/office/drawing/2014/main" id="{575C5353-77CF-2729-95F4-B27574F8505C}"/>
               </a:ext>
             </a:extLst>
           </p:cNvPr>
@@ -2286,7 +2286,7 @@
           <p:cNvPr id="4" name="文本占位符 3">
             <a:extLst>
               <a:ext uri="{FF2B5EF4-FFF2-40B4-BE49-F238E27FC236}">
-                <a16:creationId xmlns:a16="http://schemas.microsoft.com/office/drawing/2014/main" id="{CB4AF61B-576C-F27F-0704-0BF3469BCB83}"/>
+                <a16:creationId xmlns:a16="http://schemas.microsoft.com/office/drawing/2014/main" id="{6F06DC3C-FB5E-FC10-3710-BC5433A2E855}"/>
               </a:ext>
             </a:extLst>
           </p:cNvPr>
@@ -2357,7 +2357,7 @@
           <p:cNvPr id="5" name="日期占位符 4">
             <a:extLst>
               <a:ext uri="{FF2B5EF4-FFF2-40B4-BE49-F238E27FC236}">
-                <a16:creationId xmlns:a16="http://schemas.microsoft.com/office/drawing/2014/main" id="{55DEC59B-6F8D-EA6F-62C2-B645A0C7862F}"/>
+                <a16:creationId xmlns:a16="http://schemas.microsoft.com/office/drawing/2014/main" id="{5341E105-0765-0B3C-6F84-0C8892C4A3A0}"/>
               </a:ext>
             </a:extLst>
           </p:cNvPr>
@@ -2373,7 +2373,7 @@
           <a:bodyPr/>
           <a:lstStyle/>
           <a:p>
-            <a:fld id="{190FDDB6-41E1-47BA-8D62-07196EED154C}" type="datetimeFigureOut">
+            <a:fld id="{39C383A4-0AE5-4326-B6C2-734AFBB95DB7}" type="datetimeFigureOut">
               <a:rPr lang="zh-CN" altLang="en-US" smtClean="0"/>
               <a:t>2024/3/10</a:t>
             </a:fld>
@@ -2386,7 +2386,7 @@
           <p:cNvPr id="6" name="页脚占位符 5">
             <a:extLst>
               <a:ext uri="{FF2B5EF4-FFF2-40B4-BE49-F238E27FC236}">
-                <a16:creationId xmlns:a16="http://schemas.microsoft.com/office/drawing/2014/main" id="{167E20DF-E757-C2AC-5F9F-55254E34A7C9}"/>
+                <a16:creationId xmlns:a16="http://schemas.microsoft.com/office/drawing/2014/main" id="{E4D2A154-07C5-42FA-0E61-B191C75B2ED5}"/>
               </a:ext>
             </a:extLst>
           </p:cNvPr>
@@ -2411,7 +2411,7 @@
           <p:cNvPr id="7" name="灯片编号占位符 6">
             <a:extLst>
               <a:ext uri="{FF2B5EF4-FFF2-40B4-BE49-F238E27FC236}">
-                <a16:creationId xmlns:a16="http://schemas.microsoft.com/office/drawing/2014/main" id="{5CE7D6E5-509F-B52D-6E01-8CAF2A2D7988}"/>
+                <a16:creationId xmlns:a16="http://schemas.microsoft.com/office/drawing/2014/main" id="{5A026007-8507-86BA-984B-CA31C3B2E996}"/>
               </a:ext>
             </a:extLst>
           </p:cNvPr>
@@ -2427,7 +2427,7 @@
           <a:bodyPr/>
           <a:lstStyle/>
           <a:p>
-            <a:fld id="{16A6900B-50B1-4855-BDAF-32929547FDF2}" type="slidenum">
+            <a:fld id="{31B0973F-6FB5-440D-A200-362D6183C996}" type="slidenum">
               <a:rPr lang="zh-CN" altLang="en-US" smtClean="0"/>
               <a:t>‹#›</a:t>
             </a:fld>
@@ -2438,7 +2438,7 @@
     </p:spTree>
     <p:extLst>
       <p:ext uri="{BB962C8B-B14F-4D97-AF65-F5344CB8AC3E}">
-        <p14:creationId xmlns:p14="http://schemas.microsoft.com/office/powerpoint/2010/main" val="1401660647"/>
+        <p14:creationId xmlns:p14="http://schemas.microsoft.com/office/powerpoint/2010/main" val="4210394864"/>
       </p:ext>
     </p:extLst>
   </p:cSld>
@@ -2470,7 +2470,7 @@
           <p:cNvPr id="2" name="标题 1">
             <a:extLst>
               <a:ext uri="{FF2B5EF4-FFF2-40B4-BE49-F238E27FC236}">
-                <a16:creationId xmlns:a16="http://schemas.microsoft.com/office/drawing/2014/main" id="{FF2A269D-94D1-D3E1-D7F2-ED02F44AB8F1}"/>
+                <a16:creationId xmlns:a16="http://schemas.microsoft.com/office/drawing/2014/main" id="{96D5CBAD-F326-E15A-A27C-F29215C1B9E1}"/>
               </a:ext>
             </a:extLst>
           </p:cNvPr>
@@ -2507,7 +2507,7 @@
           <p:cNvPr id="3" name="图片占位符 2">
             <a:extLst>
               <a:ext uri="{FF2B5EF4-FFF2-40B4-BE49-F238E27FC236}">
-                <a16:creationId xmlns:a16="http://schemas.microsoft.com/office/drawing/2014/main" id="{5270582E-8023-3E44-28A0-58F376450AC2}"/>
+                <a16:creationId xmlns:a16="http://schemas.microsoft.com/office/drawing/2014/main" id="{633C348E-CE57-61A0-AE53-796A133F7EBE}"/>
               </a:ext>
             </a:extLst>
           </p:cNvPr>
@@ -2574,7 +2574,7 @@
           <p:cNvPr id="4" name="文本占位符 3">
             <a:extLst>
               <a:ext uri="{FF2B5EF4-FFF2-40B4-BE49-F238E27FC236}">
-                <a16:creationId xmlns:a16="http://schemas.microsoft.com/office/drawing/2014/main" id="{883CC9D9-9ADA-EDE3-F7DC-8C73DDDCAAE5}"/>
+                <a16:creationId xmlns:a16="http://schemas.microsoft.com/office/drawing/2014/main" id="{5F132DBB-E9A7-7E7B-04D4-1D19380AF5BF}"/>
               </a:ext>
             </a:extLst>
           </p:cNvPr>
@@ -2645,7 +2645,7 @@
           <p:cNvPr id="5" name="日期占位符 4">
             <a:extLst>
               <a:ext uri="{FF2B5EF4-FFF2-40B4-BE49-F238E27FC236}">
-                <a16:creationId xmlns:a16="http://schemas.microsoft.com/office/drawing/2014/main" id="{D564FF2E-BCB7-6E66-84D0-323D5ED283DC}"/>
+                <a16:creationId xmlns:a16="http://schemas.microsoft.com/office/drawing/2014/main" id="{99D33C15-0B57-FE9B-ACB1-A3E306182CD1}"/>
               </a:ext>
             </a:extLst>
           </p:cNvPr>
@@ -2661,7 +2661,7 @@
           <a:bodyPr/>
           <a:lstStyle/>
           <a:p>
-            <a:fld id="{190FDDB6-41E1-47BA-8D62-07196EED154C}" type="datetimeFigureOut">
+            <a:fld id="{39C383A4-0AE5-4326-B6C2-734AFBB95DB7}" type="datetimeFigureOut">
               <a:rPr lang="zh-CN" altLang="en-US" smtClean="0"/>
               <a:t>2024/3/10</a:t>
             </a:fld>
@@ -2674,7 +2674,7 @@
           <p:cNvPr id="6" name="页脚占位符 5">
             <a:extLst>
               <a:ext uri="{FF2B5EF4-FFF2-40B4-BE49-F238E27FC236}">
-                <a16:creationId xmlns:a16="http://schemas.microsoft.com/office/drawing/2014/main" id="{5F0A8FBA-2808-E1E7-9110-147C4CC90E59}"/>
+                <a16:creationId xmlns:a16="http://schemas.microsoft.com/office/drawing/2014/main" id="{E9D4DD50-937A-6990-1DEC-CBB0C23CBE9E}"/>
               </a:ext>
             </a:extLst>
           </p:cNvPr>
@@ -2699,7 +2699,7 @@
           <p:cNvPr id="7" name="灯片编号占位符 6">
             <a:extLst>
               <a:ext uri="{FF2B5EF4-FFF2-40B4-BE49-F238E27FC236}">
-                <a16:creationId xmlns:a16="http://schemas.microsoft.com/office/drawing/2014/main" id="{2E1B0483-8322-7F8F-A632-B3428E46CB3B}"/>
+                <a16:creationId xmlns:a16="http://schemas.microsoft.com/office/drawing/2014/main" id="{67BAACDF-5093-3732-5057-8AA4A663E839}"/>
               </a:ext>
             </a:extLst>
           </p:cNvPr>
@@ -2715,7 +2715,7 @@
           <a:bodyPr/>
           <a:lstStyle/>
           <a:p>
-            <a:fld id="{16A6900B-50B1-4855-BDAF-32929547FDF2}" type="slidenum">
+            <a:fld id="{31B0973F-6FB5-440D-A200-362D6183C996}" type="slidenum">
               <a:rPr lang="zh-CN" altLang="en-US" smtClean="0"/>
               <a:t>‹#›</a:t>
             </a:fld>
@@ -2726,7 +2726,7 @@
     </p:spTree>
     <p:extLst>
       <p:ext uri="{BB962C8B-B14F-4D97-AF65-F5344CB8AC3E}">
-        <p14:creationId xmlns:p14="http://schemas.microsoft.com/office/powerpoint/2010/main" val="2210897301"/>
+        <p14:creationId xmlns:p14="http://schemas.microsoft.com/office/powerpoint/2010/main" val="2258634161"/>
       </p:ext>
     </p:extLst>
   </p:cSld>
@@ -2763,7 +2763,7 @@
           <p:cNvPr id="2" name="标题占位符 1">
             <a:extLst>
               <a:ext uri="{FF2B5EF4-FFF2-40B4-BE49-F238E27FC236}">
-                <a16:creationId xmlns:a16="http://schemas.microsoft.com/office/drawing/2014/main" id="{5EBB7BCA-F5DF-3A69-6A88-E8E0A70AEEFF}"/>
+                <a16:creationId xmlns:a16="http://schemas.microsoft.com/office/drawing/2014/main" id="{CC9C1C4C-D1E4-417B-40E1-79EA2CA0E946}"/>
               </a:ext>
             </a:extLst>
           </p:cNvPr>
@@ -2801,7 +2801,7 @@
           <p:cNvPr id="3" name="文本占位符 2">
             <a:extLst>
               <a:ext uri="{FF2B5EF4-FFF2-40B4-BE49-F238E27FC236}">
-                <a16:creationId xmlns:a16="http://schemas.microsoft.com/office/drawing/2014/main" id="{7AF7F479-D793-AD57-9DA4-591CD624C0B3}"/>
+                <a16:creationId xmlns:a16="http://schemas.microsoft.com/office/drawing/2014/main" id="{38415C83-146E-FF45-8406-E121D9E58161}"/>
               </a:ext>
             </a:extLst>
           </p:cNvPr>
@@ -2868,7 +2868,7 @@
           <p:cNvPr id="4" name="日期占位符 3">
             <a:extLst>
               <a:ext uri="{FF2B5EF4-FFF2-40B4-BE49-F238E27FC236}">
-                <a16:creationId xmlns:a16="http://schemas.microsoft.com/office/drawing/2014/main" id="{48B56148-472C-E411-CD46-DE52C19321B7}"/>
+                <a16:creationId xmlns:a16="http://schemas.microsoft.com/office/drawing/2014/main" id="{959C813F-7AA0-A5A8-6281-77FDAE48DF3B}"/>
               </a:ext>
             </a:extLst>
           </p:cNvPr>
@@ -2902,7 +2902,7 @@
             </a:lvl1pPr>
           </a:lstStyle>
           <a:p>
-            <a:fld id="{190FDDB6-41E1-47BA-8D62-07196EED154C}" type="datetimeFigureOut">
+            <a:fld id="{39C383A4-0AE5-4326-B6C2-734AFBB95DB7}" type="datetimeFigureOut">
               <a:rPr lang="zh-CN" altLang="en-US" smtClean="0"/>
               <a:t>2024/3/10</a:t>
             </a:fld>
@@ -2915,7 +2915,7 @@
           <p:cNvPr id="5" name="页脚占位符 4">
             <a:extLst>
               <a:ext uri="{FF2B5EF4-FFF2-40B4-BE49-F238E27FC236}">
-                <a16:creationId xmlns:a16="http://schemas.microsoft.com/office/drawing/2014/main" id="{E699F5BB-FAC0-9FB9-B08C-7B2BD5777922}"/>
+                <a16:creationId xmlns:a16="http://schemas.microsoft.com/office/drawing/2014/main" id="{4726BB19-CFF0-EC92-E1A4-CDC4CEBF8B27}"/>
               </a:ext>
             </a:extLst>
           </p:cNvPr>
@@ -2958,7 +2958,7 @@
           <p:cNvPr id="6" name="灯片编号占位符 5">
             <a:extLst>
               <a:ext uri="{FF2B5EF4-FFF2-40B4-BE49-F238E27FC236}">
-                <a16:creationId xmlns:a16="http://schemas.microsoft.com/office/drawing/2014/main" id="{D4EF2D4E-ED6B-C90A-0E77-EABB5C07AB51}"/>
+                <a16:creationId xmlns:a16="http://schemas.microsoft.com/office/drawing/2014/main" id="{4C967617-4784-8F22-38A1-ED4B5070AE5F}"/>
               </a:ext>
             </a:extLst>
           </p:cNvPr>
@@ -2992,7 +2992,7 @@
             </a:lvl1pPr>
           </a:lstStyle>
           <a:p>
-            <a:fld id="{16A6900B-50B1-4855-BDAF-32929547FDF2}" type="slidenum">
+            <a:fld id="{31B0973F-6FB5-440D-A200-362D6183C996}" type="slidenum">
               <a:rPr lang="zh-CN" altLang="en-US" smtClean="0"/>
               <a:t>‹#›</a:t>
             </a:fld>
@@ -3003,7 +3003,7 @@
     </p:spTree>
     <p:extLst>
       <p:ext uri="{BB962C8B-B14F-4D97-AF65-F5344CB8AC3E}">
-        <p14:creationId xmlns:p14="http://schemas.microsoft.com/office/powerpoint/2010/main" val="87723519"/>
+        <p14:creationId xmlns:p14="http://schemas.microsoft.com/office/powerpoint/2010/main" val="3838979407"/>
       </p:ext>
     </p:extLst>
   </p:cSld>
@@ -3323,7 +3323,7 @@
       </p:grpSpPr>
       <p:pic>
         <p:nvPicPr>
-          <p:cNvPr id="1299458" name="Picture 2" descr="1268"/>
+          <p:cNvPr id="1300482" name="Picture 2" descr="1269"/>
           <p:cNvPicPr>
             <a:picLocks noChangeAspect="1" noChangeArrowheads="1"/>
           </p:cNvPicPr>
@@ -3345,7 +3345,7 @@
         <p:spPr bwMode="auto">
           <a:xfrm>
             <a:off x="1524000" y="0"/>
-            <a:ext cx="9144000" cy="5589588"/>
+            <a:ext cx="9144000" cy="3860800"/>
           </a:xfrm>
           <a:prstGeom prst="rect">
             <a:avLst/>
